--- a/docs/diagrams/HighLevelSequenceDiagrams.pptx
+++ b/docs/diagrams/HighLevelSequenceDiagrams.pptx
@@ -5,10 +5,11 @@
     <p:sldMasterId id="2147483648" r:id="rId1"/>
   </p:sldMasterIdLst>
   <p:notesMasterIdLst>
-    <p:notesMasterId r:id="rId3"/>
+    <p:notesMasterId r:id="rId4"/>
   </p:notesMasterIdLst>
   <p:sldIdLst>
     <p:sldId id="266" r:id="rId2"/>
+    <p:sldId id="267" r:id="rId3"/>
   </p:sldIdLst>
   <p:sldSz cx="9144000" cy="6858000" type="screen4x3"/>
   <p:notesSz cx="6858000" cy="9144000"/>
@@ -107,6 +108,22 @@
       </a:defRPr>
     </a:lvl9pPr>
   </p:defaultTextStyle>
+  <p:extLst>
+    <p:ext uri="{EFAFB233-063F-42B5-8137-9DF3F51BA10A}">
+      <p15:sldGuideLst xmlns:p15="http://schemas.microsoft.com/office/powerpoint/2012/main">
+        <p15:guide id="1" orient="horz" pos="1488">
+          <p15:clr>
+            <a:srgbClr val="A4A3A4"/>
+          </p15:clr>
+        </p15:guide>
+        <p15:guide id="2" pos="2880">
+          <p15:clr>
+            <a:srgbClr val="A4A3A4"/>
+          </p15:clr>
+        </p15:guide>
+      </p15:sldGuideLst>
+    </p:ext>
+  </p:extLst>
 </p:presentation>
 </file>
 
@@ -192,7 +209,7 @@
           <a:p>
             <a:fld id="{F5CC4B3F-88C1-4FFA-B1B6-F41C21DC6924}" type="datetimeFigureOut">
               <a:rPr lang="en-US" smtClean="0"/>
-              <a:t>10/16/2016</a:t>
+              <a:t>11/13/17</a:t>
             </a:fld>
             <a:endParaRPr lang="en-US"/>
           </a:p>
@@ -641,7 +658,7 @@
           <a:p>
             <a:fld id="{78C97017-6FC3-485B-9764-EAC9E56C1D49}" type="datetimeFigureOut">
               <a:rPr lang="en-US" smtClean="0"/>
-              <a:t>10/16/2016</a:t>
+              <a:t>11/13/17</a:t>
             </a:fld>
             <a:endParaRPr lang="en-US"/>
           </a:p>
@@ -811,7 +828,7 @@
           <a:p>
             <a:fld id="{78C97017-6FC3-485B-9764-EAC9E56C1D49}" type="datetimeFigureOut">
               <a:rPr lang="en-US" smtClean="0"/>
-              <a:t>10/16/2016</a:t>
+              <a:t>11/13/17</a:t>
             </a:fld>
             <a:endParaRPr lang="en-US"/>
           </a:p>
@@ -991,7 +1008,7 @@
           <a:p>
             <a:fld id="{78C97017-6FC3-485B-9764-EAC9E56C1D49}" type="datetimeFigureOut">
               <a:rPr lang="en-US" smtClean="0"/>
-              <a:t>10/16/2016</a:t>
+              <a:t>11/13/17</a:t>
             </a:fld>
             <a:endParaRPr lang="en-US"/>
           </a:p>
@@ -1161,7 +1178,7 @@
           <a:p>
             <a:fld id="{78C97017-6FC3-485B-9764-EAC9E56C1D49}" type="datetimeFigureOut">
               <a:rPr lang="en-US" smtClean="0"/>
-              <a:t>10/16/2016</a:t>
+              <a:t>11/13/17</a:t>
             </a:fld>
             <a:endParaRPr lang="en-US"/>
           </a:p>
@@ -1407,7 +1424,7 @@
           <a:p>
             <a:fld id="{78C97017-6FC3-485B-9764-EAC9E56C1D49}" type="datetimeFigureOut">
               <a:rPr lang="en-US" smtClean="0"/>
-              <a:t>10/16/2016</a:t>
+              <a:t>11/13/17</a:t>
             </a:fld>
             <a:endParaRPr lang="en-US"/>
           </a:p>
@@ -1695,7 +1712,7 @@
           <a:p>
             <a:fld id="{78C97017-6FC3-485B-9764-EAC9E56C1D49}" type="datetimeFigureOut">
               <a:rPr lang="en-US" smtClean="0"/>
-              <a:t>10/16/2016</a:t>
+              <a:t>11/13/17</a:t>
             </a:fld>
             <a:endParaRPr lang="en-US"/>
           </a:p>
@@ -2117,7 +2134,7 @@
           <a:p>
             <a:fld id="{78C97017-6FC3-485B-9764-EAC9E56C1D49}" type="datetimeFigureOut">
               <a:rPr lang="en-US" smtClean="0"/>
-              <a:t>10/16/2016</a:t>
+              <a:t>11/13/17</a:t>
             </a:fld>
             <a:endParaRPr lang="en-US"/>
           </a:p>
@@ -2235,7 +2252,7 @@
           <a:p>
             <a:fld id="{78C97017-6FC3-485B-9764-EAC9E56C1D49}" type="datetimeFigureOut">
               <a:rPr lang="en-US" smtClean="0"/>
-              <a:t>10/16/2016</a:t>
+              <a:t>11/13/17</a:t>
             </a:fld>
             <a:endParaRPr lang="en-US"/>
           </a:p>
@@ -2330,7 +2347,7 @@
           <a:p>
             <a:fld id="{78C97017-6FC3-485B-9764-EAC9E56C1D49}" type="datetimeFigureOut">
               <a:rPr lang="en-US" smtClean="0"/>
-              <a:t>10/16/2016</a:t>
+              <a:t>11/13/17</a:t>
             </a:fld>
             <a:endParaRPr lang="en-US"/>
           </a:p>
@@ -2607,7 +2624,7 @@
           <a:p>
             <a:fld id="{78C97017-6FC3-485B-9764-EAC9E56C1D49}" type="datetimeFigureOut">
               <a:rPr lang="en-US" smtClean="0"/>
-              <a:t>10/16/2016</a:t>
+              <a:t>11/13/17</a:t>
             </a:fld>
             <a:endParaRPr lang="en-US"/>
           </a:p>
@@ -2860,7 +2877,7 @@
           <a:p>
             <a:fld id="{78C97017-6FC3-485B-9764-EAC9E56C1D49}" type="datetimeFigureOut">
               <a:rPr lang="en-US" smtClean="0"/>
-              <a:t>10/16/2016</a:t>
+              <a:t>11/13/17</a:t>
             </a:fld>
             <a:endParaRPr lang="en-US"/>
           </a:p>
@@ -3073,7 +3090,7 @@
           <a:p>
             <a:fld id="{78C97017-6FC3-485B-9764-EAC9E56C1D49}" type="datetimeFigureOut">
               <a:rPr lang="en-US" smtClean="0"/>
-              <a:t>10/16/2016</a:t>
+              <a:t>11/13/17</a:t>
             </a:fld>
             <a:endParaRPr lang="en-US"/>
           </a:p>
@@ -6069,6 +6086,2571 @@
     <p:extLst>
       <p:ext uri="{BB962C8B-B14F-4D97-AF65-F5344CB8AC3E}">
         <p14:creationId xmlns:p14="http://schemas.microsoft.com/office/powerpoint/2010/main" val="4023378879"/>
+      </p:ext>
+    </p:extLst>
+  </p:cSld>
+  <p:clrMapOvr>
+    <a:masterClrMapping/>
+  </p:clrMapOvr>
+</p:sld>
+</file>
+
+<file path=ppt/slides/slide2.xml><?xml version="1.0" encoding="utf-8"?>
+<p:sld xmlns:a="http://schemas.openxmlformats.org/drawingml/2006/main" xmlns:r="http://schemas.openxmlformats.org/officeDocument/2006/relationships" xmlns:p="http://schemas.openxmlformats.org/presentationml/2006/main">
+  <p:cSld>
+    <p:spTree>
+      <p:nvGrpSpPr>
+        <p:cNvPr id="1" name=""/>
+        <p:cNvGrpSpPr/>
+        <p:nvPr/>
+      </p:nvGrpSpPr>
+      <p:grpSpPr>
+        <a:xfrm>
+          <a:off x="0" y="0"/>
+          <a:ext cx="0" cy="0"/>
+          <a:chOff x="0" y="0"/>
+          <a:chExt cx="0" cy="0"/>
+        </a:xfrm>
+      </p:grpSpPr>
+      <p:grpSp>
+        <p:nvGrpSpPr>
+          <p:cNvPr id="174" name="Group 173"/>
+          <p:cNvGrpSpPr/>
+          <p:nvPr/>
+        </p:nvGrpSpPr>
+        <p:grpSpPr>
+          <a:xfrm>
+            <a:off x="-609600" y="609600"/>
+            <a:ext cx="10223351" cy="5612487"/>
+            <a:chOff x="-609600" y="609600"/>
+            <a:chExt cx="10223351" cy="5612487"/>
+          </a:xfrm>
+        </p:grpSpPr>
+        <p:sp>
+          <p:nvSpPr>
+            <p:cNvPr id="99" name="Rectangle 98"/>
+            <p:cNvSpPr/>
+            <p:nvPr/>
+          </p:nvSpPr>
+          <p:spPr>
+            <a:xfrm>
+              <a:off x="7745565" y="3581401"/>
+              <a:ext cx="228600" cy="304799"/>
+            </a:xfrm>
+            <a:prstGeom prst="rect">
+              <a:avLst/>
+            </a:prstGeom>
+            <a:solidFill>
+              <a:srgbClr val="00B050"/>
+            </a:solidFill>
+            <a:ln>
+              <a:noFill/>
+            </a:ln>
+            <a:effectLst/>
+          </p:spPr>
+          <p:style>
+            <a:lnRef idx="1">
+              <a:schemeClr val="accent3"/>
+            </a:lnRef>
+            <a:fillRef idx="2">
+              <a:schemeClr val="accent3"/>
+            </a:fillRef>
+            <a:effectRef idx="1">
+              <a:schemeClr val="accent3"/>
+            </a:effectRef>
+            <a:fontRef idx="minor">
+              <a:schemeClr val="dk1"/>
+            </a:fontRef>
+          </p:style>
+          <p:txBody>
+            <a:bodyPr rtlCol="0" anchor="ctr"/>
+            <a:lstStyle/>
+            <a:p>
+              <a:pPr algn="ctr"/>
+              <a:endParaRPr lang="en-SG" sz="1200">
+                <a:solidFill>
+                  <a:schemeClr val="dk1"/>
+                </a:solidFill>
+              </a:endParaRPr>
+            </a:p>
+          </p:txBody>
+        </p:sp>
+        <p:cxnSp>
+          <p:nvCxnSpPr>
+            <p:cNvPr id="103" name="Straight Arrow Connector 102"/>
+            <p:cNvCxnSpPr>
+              <a:endCxn id="99" idx="2"/>
+            </p:cNvCxnSpPr>
+            <p:nvPr/>
+          </p:nvCxnSpPr>
+          <p:spPr>
+            <a:xfrm>
+              <a:off x="2971800" y="3886200"/>
+              <a:ext cx="4888065" cy="0"/>
+            </a:xfrm>
+            <a:prstGeom prst="straightConnector1">
+              <a:avLst/>
+            </a:prstGeom>
+            <a:ln w="19050">
+              <a:solidFill>
+                <a:srgbClr val="00B050"/>
+              </a:solidFill>
+              <a:prstDash val="sysDash"/>
+              <a:headEnd type="arrow" w="med" len="med"/>
+              <a:tailEnd type="none" w="med" len="med"/>
+            </a:ln>
+          </p:spPr>
+          <p:style>
+            <a:lnRef idx="1">
+              <a:schemeClr val="accent1"/>
+            </a:lnRef>
+            <a:fillRef idx="0">
+              <a:schemeClr val="accent1"/>
+            </a:fillRef>
+            <a:effectRef idx="0">
+              <a:schemeClr val="accent1"/>
+            </a:effectRef>
+            <a:fontRef idx="minor">
+              <a:schemeClr val="tx1"/>
+            </a:fontRef>
+          </p:style>
+        </p:cxnSp>
+        <p:sp>
+          <p:nvSpPr>
+            <p:cNvPr id="86" name="Rectangle 85"/>
+            <p:cNvSpPr/>
+            <p:nvPr/>
+          </p:nvSpPr>
+          <p:spPr>
+            <a:xfrm>
+              <a:off x="6477000" y="3048000"/>
+              <a:ext cx="228600" cy="304799"/>
+            </a:xfrm>
+            <a:prstGeom prst="rect">
+              <a:avLst/>
+            </a:prstGeom>
+            <a:solidFill>
+              <a:srgbClr val="00B050"/>
+            </a:solidFill>
+            <a:ln>
+              <a:noFill/>
+            </a:ln>
+            <a:effectLst/>
+          </p:spPr>
+          <p:style>
+            <a:lnRef idx="1">
+              <a:schemeClr val="accent3"/>
+            </a:lnRef>
+            <a:fillRef idx="2">
+              <a:schemeClr val="accent3"/>
+            </a:fillRef>
+            <a:effectRef idx="1">
+              <a:schemeClr val="accent3"/>
+            </a:effectRef>
+            <a:fontRef idx="minor">
+              <a:schemeClr val="dk1"/>
+            </a:fontRef>
+          </p:style>
+          <p:txBody>
+            <a:bodyPr rtlCol="0" anchor="ctr"/>
+            <a:lstStyle/>
+            <a:p>
+              <a:pPr algn="ctr"/>
+              <a:endParaRPr lang="en-SG" sz="1200">
+                <a:solidFill>
+                  <a:schemeClr val="dk1"/>
+                </a:solidFill>
+              </a:endParaRPr>
+            </a:p>
+          </p:txBody>
+        </p:sp>
+        <p:cxnSp>
+          <p:nvCxnSpPr>
+            <p:cNvPr id="89" name="Straight Connector 88"/>
+            <p:cNvCxnSpPr>
+              <a:stCxn id="86" idx="2"/>
+            </p:cNvCxnSpPr>
+            <p:nvPr/>
+          </p:nvCxnSpPr>
+          <p:spPr>
+            <a:xfrm flipH="1">
+              <a:off x="6565968" y="3352799"/>
+              <a:ext cx="25332" cy="2346068"/>
+            </a:xfrm>
+            <a:prstGeom prst="line">
+              <a:avLst/>
+            </a:prstGeom>
+            <a:ln w="19050">
+              <a:solidFill>
+                <a:srgbClr val="00B050"/>
+              </a:solidFill>
+              <a:prstDash val="sysDash"/>
+            </a:ln>
+            <a:effectLst/>
+          </p:spPr>
+          <p:style>
+            <a:lnRef idx="1">
+              <a:schemeClr val="accent1"/>
+            </a:lnRef>
+            <a:fillRef idx="2">
+              <a:schemeClr val="accent1"/>
+            </a:fillRef>
+            <a:effectRef idx="1">
+              <a:schemeClr val="accent1"/>
+            </a:effectRef>
+            <a:fontRef idx="minor">
+              <a:schemeClr val="dk1"/>
+            </a:fontRef>
+          </p:style>
+        </p:cxnSp>
+        <p:sp>
+          <p:nvSpPr>
+            <p:cNvPr id="16" name="Rectangle 62"/>
+            <p:cNvSpPr/>
+            <p:nvPr/>
+          </p:nvSpPr>
+          <p:spPr>
+            <a:xfrm>
+              <a:off x="991318" y="609600"/>
+              <a:ext cx="1093635" cy="346760"/>
+            </a:xfrm>
+            <a:prstGeom prst="rect">
+              <a:avLst/>
+            </a:prstGeom>
+            <a:solidFill>
+              <a:srgbClr val="0070C0"/>
+            </a:solidFill>
+            <a:ln w="19050">
+              <a:solidFill>
+                <a:srgbClr val="0070C0"/>
+              </a:solidFill>
+            </a:ln>
+            <a:effectLst/>
+          </p:spPr>
+          <p:style>
+            <a:lnRef idx="1">
+              <a:schemeClr val="accent2"/>
+            </a:lnRef>
+            <a:fillRef idx="2">
+              <a:schemeClr val="accent2"/>
+            </a:fillRef>
+            <a:effectRef idx="1">
+              <a:schemeClr val="accent2"/>
+            </a:effectRef>
+            <a:fontRef idx="minor">
+              <a:schemeClr val="dk1"/>
+            </a:fontRef>
+          </p:style>
+          <p:txBody>
+            <a:bodyPr rtlCol="0" anchor="ctr"/>
+            <a:lstStyle/>
+            <a:p>
+              <a:pPr algn="ctr"/>
+              <a:r>
+                <a:rPr lang="en-US" sz="1400" dirty="0" smtClean="0">
+                  <a:solidFill>
+                    <a:schemeClr val="bg1"/>
+                  </a:solidFill>
+                </a:rPr>
+                <a:t>:</a:t>
+              </a:r>
+              <a:r>
+                <a:rPr lang="en-US" sz="1100" dirty="0" err="1" smtClean="0">
+                  <a:solidFill>
+                    <a:schemeClr val="bg1"/>
+                  </a:solidFill>
+                </a:rPr>
+                <a:t>SetUpAsana</a:t>
+              </a:r>
+              <a:endParaRPr lang="en-US" sz="1100" dirty="0" smtClean="0">
+                <a:solidFill>
+                  <a:schemeClr val="bg1"/>
+                </a:solidFill>
+              </a:endParaRPr>
+            </a:p>
+            <a:p>
+              <a:pPr algn="ctr"/>
+              <a:r>
+                <a:rPr lang="en-US" sz="1100" dirty="0" smtClean="0">
+                  <a:solidFill>
+                    <a:schemeClr val="bg1"/>
+                  </a:solidFill>
+                </a:rPr>
+                <a:t>Command</a:t>
+              </a:r>
+              <a:endParaRPr lang="en-SG" sz="1100" dirty="0">
+                <a:solidFill>
+                  <a:schemeClr val="bg1"/>
+                </a:solidFill>
+              </a:endParaRPr>
+            </a:p>
+          </p:txBody>
+        </p:sp>
+        <p:cxnSp>
+          <p:nvCxnSpPr>
+            <p:cNvPr id="17" name="Straight Connector 16"/>
+            <p:cNvCxnSpPr>
+              <a:stCxn id="16" idx="2"/>
+            </p:cNvCxnSpPr>
+            <p:nvPr/>
+          </p:nvCxnSpPr>
+          <p:spPr>
+            <a:xfrm>
+              <a:off x="1538136" y="956360"/>
+              <a:ext cx="0" cy="3768040"/>
+            </a:xfrm>
+            <a:prstGeom prst="line">
+              <a:avLst/>
+            </a:prstGeom>
+            <a:ln w="19050">
+              <a:solidFill>
+                <a:srgbClr val="0070C0"/>
+              </a:solidFill>
+              <a:prstDash val="sysDash"/>
+            </a:ln>
+            <a:effectLst/>
+          </p:spPr>
+          <p:style>
+            <a:lnRef idx="1">
+              <a:schemeClr val="accent1"/>
+            </a:lnRef>
+            <a:fillRef idx="2">
+              <a:schemeClr val="accent1"/>
+            </a:fillRef>
+            <a:effectRef idx="1">
+              <a:schemeClr val="accent1"/>
+            </a:effectRef>
+            <a:fontRef idx="minor">
+              <a:schemeClr val="dk1"/>
+            </a:fontRef>
+          </p:style>
+        </p:cxnSp>
+        <p:sp>
+          <p:nvSpPr>
+            <p:cNvPr id="18" name="Rectangle 17"/>
+            <p:cNvSpPr/>
+            <p:nvPr/>
+          </p:nvSpPr>
+          <p:spPr>
+            <a:xfrm>
+              <a:off x="1452922" y="1303120"/>
+              <a:ext cx="170526" cy="4057192"/>
+            </a:xfrm>
+            <a:prstGeom prst="rect">
+              <a:avLst/>
+            </a:prstGeom>
+            <a:solidFill>
+              <a:srgbClr val="0070C0"/>
+            </a:solidFill>
+            <a:ln>
+              <a:solidFill>
+                <a:srgbClr val="0070C0"/>
+              </a:solidFill>
+            </a:ln>
+            <a:effectLst/>
+          </p:spPr>
+          <p:style>
+            <a:lnRef idx="1">
+              <a:schemeClr val="accent3"/>
+            </a:lnRef>
+            <a:fillRef idx="2">
+              <a:schemeClr val="accent3"/>
+            </a:fillRef>
+            <a:effectRef idx="1">
+              <a:schemeClr val="accent3"/>
+            </a:effectRef>
+            <a:fontRef idx="minor">
+              <a:schemeClr val="dk1"/>
+            </a:fontRef>
+          </p:style>
+          <p:txBody>
+            <a:bodyPr rtlCol="0" anchor="ctr"/>
+            <a:lstStyle/>
+            <a:p>
+              <a:pPr algn="ctr"/>
+              <a:endParaRPr lang="en-SG" sz="1200">
+                <a:solidFill>
+                  <a:schemeClr val="dk1"/>
+                </a:solidFill>
+              </a:endParaRPr>
+            </a:p>
+          </p:txBody>
+        </p:sp>
+        <p:sp>
+          <p:nvSpPr>
+            <p:cNvPr id="19" name="Rectangle 62"/>
+            <p:cNvSpPr/>
+            <p:nvPr/>
+          </p:nvSpPr>
+          <p:spPr>
+            <a:xfrm>
+              <a:off x="2439118" y="1253440"/>
+              <a:ext cx="1093635" cy="346760"/>
+            </a:xfrm>
+            <a:prstGeom prst="rect">
+              <a:avLst/>
+            </a:prstGeom>
+            <a:solidFill>
+              <a:srgbClr val="7030A0"/>
+            </a:solidFill>
+            <a:ln w="19050">
+              <a:solidFill>
+                <a:srgbClr val="7030A0"/>
+              </a:solidFill>
+            </a:ln>
+            <a:effectLst/>
+          </p:spPr>
+          <p:style>
+            <a:lnRef idx="1">
+              <a:schemeClr val="accent2"/>
+            </a:lnRef>
+            <a:fillRef idx="2">
+              <a:schemeClr val="accent2"/>
+            </a:fillRef>
+            <a:effectRef idx="1">
+              <a:schemeClr val="accent2"/>
+            </a:effectRef>
+            <a:fontRef idx="minor">
+              <a:schemeClr val="dk1"/>
+            </a:fontRef>
+          </p:style>
+          <p:txBody>
+            <a:bodyPr rtlCol="0" anchor="ctr"/>
+            <a:lstStyle/>
+            <a:p>
+              <a:pPr algn="ctr"/>
+              <a:r>
+                <a:rPr lang="en-US" sz="1400" dirty="0" smtClean="0">
+                  <a:solidFill>
+                    <a:schemeClr val="bg1"/>
+                  </a:solidFill>
+                </a:rPr>
+                <a:t>:</a:t>
+              </a:r>
+              <a:r>
+                <a:rPr lang="en-US" sz="1100" dirty="0" err="1" smtClean="0">
+                  <a:solidFill>
+                    <a:schemeClr val="bg1"/>
+                  </a:solidFill>
+                </a:rPr>
+                <a:t>AuthenticateAsanaUser</a:t>
+              </a:r>
+              <a:endParaRPr lang="en-SG" sz="1100" dirty="0">
+                <a:solidFill>
+                  <a:schemeClr val="bg1"/>
+                </a:solidFill>
+              </a:endParaRPr>
+            </a:p>
+          </p:txBody>
+        </p:sp>
+        <p:cxnSp>
+          <p:nvCxnSpPr>
+            <p:cNvPr id="20" name="Straight Connector 19"/>
+            <p:cNvCxnSpPr/>
+            <p:nvPr/>
+          </p:nvCxnSpPr>
+          <p:spPr>
+            <a:xfrm>
+              <a:off x="2891122" y="1664853"/>
+              <a:ext cx="0" cy="4341790"/>
+            </a:xfrm>
+            <a:prstGeom prst="line">
+              <a:avLst/>
+            </a:prstGeom>
+            <a:ln w="19050">
+              <a:solidFill>
+                <a:srgbClr val="7030A0"/>
+              </a:solidFill>
+              <a:prstDash val="sysDash"/>
+            </a:ln>
+            <a:effectLst/>
+          </p:spPr>
+          <p:style>
+            <a:lnRef idx="1">
+              <a:schemeClr val="accent1"/>
+            </a:lnRef>
+            <a:fillRef idx="2">
+              <a:schemeClr val="accent1"/>
+            </a:fillRef>
+            <a:effectRef idx="1">
+              <a:schemeClr val="accent1"/>
+            </a:effectRef>
+            <a:fontRef idx="minor">
+              <a:schemeClr val="dk1"/>
+            </a:fontRef>
+          </p:style>
+        </p:cxnSp>
+        <p:sp>
+          <p:nvSpPr>
+            <p:cNvPr id="21" name="Rectangle 20"/>
+            <p:cNvSpPr/>
+            <p:nvPr/>
+          </p:nvSpPr>
+          <p:spPr>
+            <a:xfrm>
+              <a:off x="2820118" y="2133600"/>
+              <a:ext cx="123957" cy="3141112"/>
+            </a:xfrm>
+            <a:prstGeom prst="rect">
+              <a:avLst/>
+            </a:prstGeom>
+            <a:solidFill>
+              <a:srgbClr val="7030A0"/>
+            </a:solidFill>
+            <a:ln>
+              <a:solidFill>
+                <a:srgbClr val="7030A0"/>
+              </a:solidFill>
+            </a:ln>
+            <a:effectLst/>
+          </p:spPr>
+          <p:style>
+            <a:lnRef idx="1">
+              <a:schemeClr val="accent3"/>
+            </a:lnRef>
+            <a:fillRef idx="2">
+              <a:schemeClr val="accent3"/>
+            </a:fillRef>
+            <a:effectRef idx="1">
+              <a:schemeClr val="accent3"/>
+            </a:effectRef>
+            <a:fontRef idx="minor">
+              <a:schemeClr val="dk1"/>
+            </a:fontRef>
+          </p:style>
+          <p:txBody>
+            <a:bodyPr rtlCol="0" anchor="ctr"/>
+            <a:lstStyle/>
+            <a:p>
+              <a:pPr algn="ctr"/>
+              <a:endParaRPr lang="en-SG" sz="1200">
+                <a:solidFill>
+                  <a:schemeClr val="dk1"/>
+                </a:solidFill>
+              </a:endParaRPr>
+            </a:p>
+          </p:txBody>
+        </p:sp>
+        <p:cxnSp>
+          <p:nvCxnSpPr>
+            <p:cNvPr id="25" name="Straight Arrow Connector 24"/>
+            <p:cNvCxnSpPr/>
+            <p:nvPr/>
+          </p:nvCxnSpPr>
+          <p:spPr>
+            <a:xfrm>
+              <a:off x="-605196" y="1295400"/>
+              <a:ext cx="2071323" cy="0"/>
+            </a:xfrm>
+            <a:prstGeom prst="straightConnector1">
+              <a:avLst/>
+            </a:prstGeom>
+            <a:ln w="19050">
+              <a:solidFill>
+                <a:srgbClr val="00B050"/>
+              </a:solidFill>
+              <a:tailEnd type="arrow"/>
+            </a:ln>
+          </p:spPr>
+          <p:style>
+            <a:lnRef idx="1">
+              <a:schemeClr val="accent1"/>
+            </a:lnRef>
+            <a:fillRef idx="0">
+              <a:schemeClr val="accent1"/>
+            </a:fillRef>
+            <a:effectRef idx="0">
+              <a:schemeClr val="accent1"/>
+            </a:effectRef>
+            <a:fontRef idx="minor">
+              <a:schemeClr val="tx1"/>
+            </a:fontRef>
+          </p:style>
+        </p:cxnSp>
+        <p:sp>
+          <p:nvSpPr>
+            <p:cNvPr id="26" name="TextBox 25"/>
+            <p:cNvSpPr txBox="1"/>
+            <p:nvPr/>
+          </p:nvSpPr>
+          <p:spPr>
+            <a:xfrm>
+              <a:off x="430789" y="1371600"/>
+              <a:ext cx="712211" cy="184666"/>
+            </a:xfrm>
+            <a:prstGeom prst="rect">
+              <a:avLst/>
+            </a:prstGeom>
+            <a:noFill/>
+          </p:spPr>
+          <p:txBody>
+            <a:bodyPr wrap="square" lIns="0" tIns="0" rIns="0" bIns="0" rtlCol="0">
+              <a:spAutoFit/>
+            </a:bodyPr>
+            <a:lstStyle/>
+            <a:p>
+              <a:r>
+                <a:rPr lang="en-US" sz="1200" dirty="0" smtClean="0">
+                  <a:solidFill>
+                    <a:srgbClr val="0070C0"/>
+                  </a:solidFill>
+                </a:rPr>
+                <a:t>execute</a:t>
+              </a:r>
+              <a:r>
+                <a:rPr lang="en-US" sz="1200" dirty="0" smtClean="0">
+                  <a:solidFill>
+                    <a:srgbClr val="0070C0"/>
+                  </a:solidFill>
+                </a:rPr>
+                <a:t>()</a:t>
+              </a:r>
+              <a:endParaRPr lang="en-US" sz="1200" dirty="0">
+                <a:solidFill>
+                  <a:srgbClr val="0070C0"/>
+                </a:solidFill>
+              </a:endParaRPr>
+            </a:p>
+          </p:txBody>
+        </p:sp>
+        <p:cxnSp>
+          <p:nvCxnSpPr>
+            <p:cNvPr id="28" name="Straight Arrow Connector 27"/>
+            <p:cNvCxnSpPr/>
+            <p:nvPr/>
+          </p:nvCxnSpPr>
+          <p:spPr>
+            <a:xfrm>
+              <a:off x="1610143" y="1447800"/>
+              <a:ext cx="828975" cy="0"/>
+            </a:xfrm>
+            <a:prstGeom prst="straightConnector1">
+              <a:avLst/>
+            </a:prstGeom>
+            <a:ln w="19050">
+              <a:solidFill>
+                <a:srgbClr val="0070C0"/>
+              </a:solidFill>
+              <a:tailEnd type="arrow"/>
+            </a:ln>
+          </p:spPr>
+          <p:style>
+            <a:lnRef idx="1">
+              <a:schemeClr val="accent1"/>
+            </a:lnRef>
+            <a:fillRef idx="0">
+              <a:schemeClr val="accent1"/>
+            </a:fillRef>
+            <a:effectRef idx="0">
+              <a:schemeClr val="accent1"/>
+            </a:effectRef>
+            <a:fontRef idx="minor">
+              <a:schemeClr val="tx1"/>
+            </a:fontRef>
+          </p:style>
+        </p:cxnSp>
+        <p:cxnSp>
+          <p:nvCxnSpPr>
+            <p:cNvPr id="34" name="Straight Arrow Connector 33"/>
+            <p:cNvCxnSpPr/>
+            <p:nvPr/>
+          </p:nvCxnSpPr>
+          <p:spPr>
+            <a:xfrm>
+              <a:off x="1610143" y="5257800"/>
+              <a:ext cx="1209975" cy="0"/>
+            </a:xfrm>
+            <a:prstGeom prst="straightConnector1">
+              <a:avLst/>
+            </a:prstGeom>
+            <a:ln w="19050">
+              <a:solidFill>
+                <a:srgbClr val="7030A0"/>
+              </a:solidFill>
+              <a:prstDash val="sysDash"/>
+              <a:headEnd type="arrow" w="med" len="med"/>
+              <a:tailEnd type="none" w="med" len="med"/>
+            </a:ln>
+          </p:spPr>
+          <p:style>
+            <a:lnRef idx="1">
+              <a:schemeClr val="accent1"/>
+            </a:lnRef>
+            <a:fillRef idx="0">
+              <a:schemeClr val="accent1"/>
+            </a:fillRef>
+            <a:effectRef idx="0">
+              <a:schemeClr val="accent1"/>
+            </a:effectRef>
+            <a:fontRef idx="minor">
+              <a:schemeClr val="tx1"/>
+            </a:fontRef>
+          </p:style>
+        </p:cxnSp>
+        <p:cxnSp>
+          <p:nvCxnSpPr>
+            <p:cNvPr id="35" name="Straight Arrow Connector 34"/>
+            <p:cNvCxnSpPr/>
+            <p:nvPr/>
+          </p:nvCxnSpPr>
+          <p:spPr>
+            <a:xfrm>
+              <a:off x="-609600" y="5360313"/>
+              <a:ext cx="2058118" cy="0"/>
+            </a:xfrm>
+            <a:prstGeom prst="straightConnector1">
+              <a:avLst/>
+            </a:prstGeom>
+            <a:ln w="19050">
+              <a:solidFill>
+                <a:srgbClr val="0070C0"/>
+              </a:solidFill>
+              <a:prstDash val="sysDash"/>
+              <a:headEnd type="arrow" w="med" len="med"/>
+              <a:tailEnd type="none" w="med" len="med"/>
+            </a:ln>
+          </p:spPr>
+          <p:style>
+            <a:lnRef idx="1">
+              <a:schemeClr val="accent1"/>
+            </a:lnRef>
+            <a:fillRef idx="0">
+              <a:schemeClr val="accent1"/>
+            </a:fillRef>
+            <a:effectRef idx="0">
+              <a:schemeClr val="accent1"/>
+            </a:effectRef>
+            <a:fontRef idx="minor">
+              <a:schemeClr val="tx1"/>
+            </a:fontRef>
+          </p:style>
+        </p:cxnSp>
+        <p:cxnSp>
+          <p:nvCxnSpPr>
+            <p:cNvPr id="42" name="Straight Arrow Connector 41"/>
+            <p:cNvCxnSpPr>
+              <a:endCxn id="73" idx="1"/>
+            </p:cNvCxnSpPr>
+            <p:nvPr/>
+          </p:nvCxnSpPr>
+          <p:spPr>
+            <a:xfrm flipV="1">
+              <a:off x="2873400" y="2230780"/>
+              <a:ext cx="1976565" cy="16948"/>
+            </a:xfrm>
+            <a:prstGeom prst="straightConnector1">
+              <a:avLst/>
+            </a:prstGeom>
+            <a:ln w="19050">
+              <a:solidFill>
+                <a:srgbClr val="7030A0"/>
+              </a:solidFill>
+              <a:tailEnd type="arrow"/>
+            </a:ln>
+          </p:spPr>
+          <p:style>
+            <a:lnRef idx="1">
+              <a:schemeClr val="accent1"/>
+            </a:lnRef>
+            <a:fillRef idx="0">
+              <a:schemeClr val="accent1"/>
+            </a:fillRef>
+            <a:effectRef idx="0">
+              <a:schemeClr val="accent1"/>
+            </a:effectRef>
+            <a:fontRef idx="minor">
+              <a:schemeClr val="tx1"/>
+            </a:fontRef>
+          </p:style>
+        </p:cxnSp>
+        <p:sp>
+          <p:nvSpPr>
+            <p:cNvPr id="64" name="TextBox 63"/>
+            <p:cNvSpPr txBox="1"/>
+            <p:nvPr/>
+          </p:nvSpPr>
+          <p:spPr>
+            <a:xfrm>
+              <a:off x="-147490" y="5360313"/>
+              <a:ext cx="1600412" cy="338554"/>
+            </a:xfrm>
+            <a:prstGeom prst="rect">
+              <a:avLst/>
+            </a:prstGeom>
+            <a:noFill/>
+          </p:spPr>
+          <p:txBody>
+            <a:bodyPr wrap="square" lIns="0" tIns="0" rIns="0" bIns="0" rtlCol="0">
+              <a:spAutoFit/>
+            </a:bodyPr>
+            <a:lstStyle/>
+            <a:p>
+              <a:r>
+                <a:rPr lang="en-US" sz="1100" dirty="0" err="1" smtClean="0">
+                  <a:solidFill>
+                    <a:srgbClr val="0070C0"/>
+                  </a:solidFill>
+                </a:rPr>
+                <a:t>CommandResult</a:t>
+              </a:r>
+              <a:endParaRPr lang="en-US" sz="1100" dirty="0" smtClean="0">
+                <a:solidFill>
+                  <a:srgbClr val="0070C0"/>
+                </a:solidFill>
+              </a:endParaRPr>
+            </a:p>
+            <a:p>
+              <a:r>
+                <a:rPr lang="en-US" sz="1100" dirty="0" smtClean="0">
+                  <a:solidFill>
+                    <a:srgbClr val="0070C0"/>
+                  </a:solidFill>
+                </a:rPr>
+                <a:t>(MESSAGE_SUCCESS)</a:t>
+              </a:r>
+              <a:endParaRPr lang="en-US" sz="1100" dirty="0">
+                <a:solidFill>
+                  <a:srgbClr val="0070C0"/>
+                </a:solidFill>
+              </a:endParaRPr>
+            </a:p>
+          </p:txBody>
+        </p:sp>
+        <p:sp>
+          <p:nvSpPr>
+            <p:cNvPr id="27" name="Multiply 26"/>
+            <p:cNvSpPr/>
+            <p:nvPr/>
+          </p:nvSpPr>
+          <p:spPr>
+            <a:xfrm>
+              <a:off x="2662521" y="5791200"/>
+              <a:ext cx="457200" cy="430887"/>
+            </a:xfrm>
+            <a:prstGeom prst="mathMultiply">
+              <a:avLst/>
+            </a:prstGeom>
+            <a:solidFill>
+              <a:srgbClr val="7030A0"/>
+            </a:solidFill>
+            <a:ln>
+              <a:solidFill>
+                <a:srgbClr val="7030A0"/>
+              </a:solidFill>
+            </a:ln>
+          </p:spPr>
+          <p:style>
+            <a:lnRef idx="2">
+              <a:schemeClr val="accent1">
+                <a:shade val="50000"/>
+              </a:schemeClr>
+            </a:lnRef>
+            <a:fillRef idx="1">
+              <a:schemeClr val="accent1"/>
+            </a:fillRef>
+            <a:effectRef idx="0">
+              <a:schemeClr val="accent1"/>
+            </a:effectRef>
+            <a:fontRef idx="minor">
+              <a:schemeClr val="lt1"/>
+            </a:fontRef>
+          </p:style>
+          <p:txBody>
+            <a:bodyPr rtlCol="0" anchor="ctr"/>
+            <a:lstStyle/>
+            <a:p>
+              <a:pPr algn="ctr"/>
+              <a:endParaRPr lang="en-US" sz="1600"/>
+            </a:p>
+          </p:txBody>
+        </p:sp>
+        <p:cxnSp>
+          <p:nvCxnSpPr>
+            <p:cNvPr id="71" name="Straight Arrow Connector 70"/>
+            <p:cNvCxnSpPr/>
+            <p:nvPr/>
+          </p:nvCxnSpPr>
+          <p:spPr>
+            <a:xfrm>
+              <a:off x="2962124" y="2667000"/>
+              <a:ext cx="2345041" cy="0"/>
+            </a:xfrm>
+            <a:prstGeom prst="straightConnector1">
+              <a:avLst/>
+            </a:prstGeom>
+            <a:ln w="19050">
+              <a:solidFill>
+                <a:srgbClr val="7030A0"/>
+              </a:solidFill>
+              <a:prstDash val="sysDash"/>
+              <a:headEnd type="arrow" w="med" len="med"/>
+              <a:tailEnd type="none" w="med" len="med"/>
+            </a:ln>
+          </p:spPr>
+          <p:style>
+            <a:lnRef idx="1">
+              <a:schemeClr val="accent1"/>
+            </a:lnRef>
+            <a:fillRef idx="0">
+              <a:schemeClr val="accent1"/>
+            </a:fillRef>
+            <a:effectRef idx="0">
+              <a:schemeClr val="accent1"/>
+            </a:effectRef>
+            <a:fontRef idx="minor">
+              <a:schemeClr val="tx1"/>
+            </a:fontRef>
+          </p:style>
+        </p:cxnSp>
+        <p:cxnSp>
+          <p:nvCxnSpPr>
+            <p:cNvPr id="75" name="Straight Connector 74"/>
+            <p:cNvCxnSpPr/>
+            <p:nvPr/>
+          </p:nvCxnSpPr>
+          <p:spPr>
+            <a:xfrm>
+              <a:off x="5405005" y="2036384"/>
+              <a:ext cx="26248" cy="3754816"/>
+            </a:xfrm>
+            <a:prstGeom prst="line">
+              <a:avLst/>
+            </a:prstGeom>
+            <a:ln w="19050">
+              <a:solidFill>
+                <a:srgbClr val="7030A0"/>
+              </a:solidFill>
+              <a:prstDash val="sysDash"/>
+            </a:ln>
+            <a:effectLst/>
+          </p:spPr>
+          <p:style>
+            <a:lnRef idx="1">
+              <a:schemeClr val="accent1"/>
+            </a:lnRef>
+            <a:fillRef idx="2">
+              <a:schemeClr val="accent1"/>
+            </a:fillRef>
+            <a:effectRef idx="1">
+              <a:schemeClr val="accent1"/>
+            </a:effectRef>
+            <a:fontRef idx="minor">
+              <a:schemeClr val="dk1"/>
+            </a:fontRef>
+          </p:style>
+        </p:cxnSp>
+        <p:sp>
+          <p:nvSpPr>
+            <p:cNvPr id="76" name="Rectangle 75"/>
+            <p:cNvSpPr/>
+            <p:nvPr/>
+          </p:nvSpPr>
+          <p:spPr>
+            <a:xfrm>
+              <a:off x="5307165" y="2362200"/>
+              <a:ext cx="228600" cy="304799"/>
+            </a:xfrm>
+            <a:prstGeom prst="rect">
+              <a:avLst/>
+            </a:prstGeom>
+            <a:solidFill>
+              <a:srgbClr val="7030A0"/>
+            </a:solidFill>
+            <a:ln>
+              <a:solidFill>
+                <a:srgbClr val="7030A0"/>
+              </a:solidFill>
+            </a:ln>
+            <a:effectLst/>
+          </p:spPr>
+          <p:style>
+            <a:lnRef idx="1">
+              <a:schemeClr val="accent3"/>
+            </a:lnRef>
+            <a:fillRef idx="2">
+              <a:schemeClr val="accent3"/>
+            </a:fillRef>
+            <a:effectRef idx="1">
+              <a:schemeClr val="accent3"/>
+            </a:effectRef>
+            <a:fontRef idx="minor">
+              <a:schemeClr val="dk1"/>
+            </a:fontRef>
+          </p:style>
+          <p:txBody>
+            <a:bodyPr rtlCol="0" anchor="ctr"/>
+            <a:lstStyle/>
+            <a:p>
+              <a:pPr algn="ctr"/>
+              <a:endParaRPr lang="en-SG" sz="1200">
+                <a:solidFill>
+                  <a:schemeClr val="dk1"/>
+                </a:solidFill>
+              </a:endParaRPr>
+            </a:p>
+          </p:txBody>
+        </p:sp>
+        <p:sp>
+          <p:nvSpPr>
+            <p:cNvPr id="77" name="Rectangle 76"/>
+            <p:cNvSpPr/>
+            <p:nvPr/>
+          </p:nvSpPr>
+          <p:spPr>
+            <a:xfrm>
+              <a:off x="5307165" y="4838872"/>
+              <a:ext cx="228600" cy="304799"/>
+            </a:xfrm>
+            <a:prstGeom prst="rect">
+              <a:avLst/>
+            </a:prstGeom>
+            <a:solidFill>
+              <a:srgbClr val="7030A0"/>
+            </a:solidFill>
+            <a:ln>
+              <a:solidFill>
+                <a:srgbClr val="7030A0"/>
+              </a:solidFill>
+            </a:ln>
+            <a:effectLst/>
+          </p:spPr>
+          <p:style>
+            <a:lnRef idx="1">
+              <a:schemeClr val="accent3"/>
+            </a:lnRef>
+            <a:fillRef idx="2">
+              <a:schemeClr val="accent3"/>
+            </a:fillRef>
+            <a:effectRef idx="1">
+              <a:schemeClr val="accent3"/>
+            </a:effectRef>
+            <a:fontRef idx="minor">
+              <a:schemeClr val="dk1"/>
+            </a:fontRef>
+          </p:style>
+          <p:txBody>
+            <a:bodyPr rtlCol="0" anchor="ctr"/>
+            <a:lstStyle/>
+            <a:p>
+              <a:pPr algn="ctr"/>
+              <a:endParaRPr lang="en-SG" sz="1200">
+                <a:solidFill>
+                  <a:schemeClr val="dk1"/>
+                </a:solidFill>
+              </a:endParaRPr>
+            </a:p>
+          </p:txBody>
+        </p:sp>
+        <p:cxnSp>
+          <p:nvCxnSpPr>
+            <p:cNvPr id="78" name="Straight Arrow Connector 77"/>
+            <p:cNvCxnSpPr/>
+            <p:nvPr/>
+          </p:nvCxnSpPr>
+          <p:spPr>
+            <a:xfrm>
+              <a:off x="2923157" y="4829347"/>
+              <a:ext cx="2356283" cy="9525"/>
+            </a:xfrm>
+            <a:prstGeom prst="straightConnector1">
+              <a:avLst/>
+            </a:prstGeom>
+            <a:ln w="19050">
+              <a:solidFill>
+                <a:srgbClr val="7030A0"/>
+              </a:solidFill>
+              <a:tailEnd type="arrow"/>
+            </a:ln>
+          </p:spPr>
+          <p:style>
+            <a:lnRef idx="1">
+              <a:schemeClr val="accent1"/>
+            </a:lnRef>
+            <a:fillRef idx="0">
+              <a:schemeClr val="accent1"/>
+            </a:fillRef>
+            <a:effectRef idx="0">
+              <a:schemeClr val="accent1"/>
+            </a:effectRef>
+            <a:fontRef idx="minor">
+              <a:schemeClr val="tx1"/>
+            </a:fontRef>
+          </p:style>
+        </p:cxnSp>
+        <p:sp>
+          <p:nvSpPr>
+            <p:cNvPr id="79" name="TextBox 78"/>
+            <p:cNvSpPr txBox="1"/>
+            <p:nvPr/>
+          </p:nvSpPr>
+          <p:spPr>
+            <a:xfrm>
+              <a:off x="3078142" y="4838872"/>
+              <a:ext cx="2179657" cy="153888"/>
+            </a:xfrm>
+            <a:prstGeom prst="rect">
+              <a:avLst/>
+            </a:prstGeom>
+            <a:noFill/>
+          </p:spPr>
+          <p:txBody>
+            <a:bodyPr wrap="square" lIns="0" tIns="0" rIns="0" bIns="0" rtlCol="0">
+              <a:spAutoFit/>
+            </a:bodyPr>
+            <a:lstStyle/>
+            <a:p>
+              <a:r>
+                <a:rPr lang="en-US" sz="900" dirty="0" err="1">
+                  <a:solidFill>
+                    <a:srgbClr val="7030A0"/>
+                  </a:solidFill>
+                </a:rPr>
+                <a:t>s</a:t>
+              </a:r>
+              <a:r>
+                <a:rPr lang="en-US" sz="900" dirty="0" err="1" smtClean="0">
+                  <a:solidFill>
+                    <a:srgbClr val="7030A0"/>
+                  </a:solidFill>
+                </a:rPr>
+                <a:t>etIsAsanaConfigured</a:t>
+              </a:r>
+              <a:r>
+                <a:rPr lang="en-US" sz="900" dirty="0" smtClean="0">
+                  <a:solidFill>
+                    <a:srgbClr val="7030A0"/>
+                  </a:solidFill>
+                </a:rPr>
+                <a:t>(CONFIGURED</a:t>
+              </a:r>
+              <a:r>
+                <a:rPr lang="en-US" sz="1000" dirty="0" smtClean="0">
+                  <a:solidFill>
+                    <a:srgbClr val="7030A0"/>
+                  </a:solidFill>
+                </a:rPr>
+                <a:t>)</a:t>
+              </a:r>
+              <a:endParaRPr lang="en-US" sz="1000" dirty="0">
+                <a:solidFill>
+                  <a:srgbClr val="7030A0"/>
+                </a:solidFill>
+              </a:endParaRPr>
+            </a:p>
+          </p:txBody>
+        </p:sp>
+        <p:cxnSp>
+          <p:nvCxnSpPr>
+            <p:cNvPr id="82" name="Straight Arrow Connector 81"/>
+            <p:cNvCxnSpPr/>
+            <p:nvPr/>
+          </p:nvCxnSpPr>
+          <p:spPr>
+            <a:xfrm>
+              <a:off x="2962124" y="5143671"/>
+              <a:ext cx="2345041" cy="0"/>
+            </a:xfrm>
+            <a:prstGeom prst="straightConnector1">
+              <a:avLst/>
+            </a:prstGeom>
+            <a:ln w="19050">
+              <a:solidFill>
+                <a:srgbClr val="7030A0"/>
+              </a:solidFill>
+              <a:prstDash val="sysDash"/>
+              <a:headEnd type="arrow" w="med" len="med"/>
+              <a:tailEnd type="none" w="med" len="med"/>
+            </a:ln>
+          </p:spPr>
+          <p:style>
+            <a:lnRef idx="1">
+              <a:schemeClr val="accent1"/>
+            </a:lnRef>
+            <a:fillRef idx="0">
+              <a:schemeClr val="accent1"/>
+            </a:fillRef>
+            <a:effectRef idx="0">
+              <a:schemeClr val="accent1"/>
+            </a:effectRef>
+            <a:fontRef idx="minor">
+              <a:schemeClr val="tx1"/>
+            </a:fontRef>
+          </p:style>
+        </p:cxnSp>
+        <p:sp>
+          <p:nvSpPr>
+            <p:cNvPr id="83" name="Rectangle 62"/>
+            <p:cNvSpPr/>
+            <p:nvPr/>
+          </p:nvSpPr>
+          <p:spPr>
+            <a:xfrm>
+              <a:off x="6019800" y="2777440"/>
+              <a:ext cx="1093635" cy="346760"/>
+            </a:xfrm>
+            <a:prstGeom prst="rect">
+              <a:avLst/>
+            </a:prstGeom>
+            <a:solidFill>
+              <a:srgbClr val="00B050"/>
+            </a:solidFill>
+            <a:ln w="19050">
+              <a:noFill/>
+            </a:ln>
+            <a:effectLst/>
+          </p:spPr>
+          <p:style>
+            <a:lnRef idx="1">
+              <a:schemeClr val="accent2"/>
+            </a:lnRef>
+            <a:fillRef idx="2">
+              <a:schemeClr val="accent2"/>
+            </a:fillRef>
+            <a:effectRef idx="1">
+              <a:schemeClr val="accent2"/>
+            </a:effectRef>
+            <a:fontRef idx="minor">
+              <a:schemeClr val="dk1"/>
+            </a:fontRef>
+          </p:style>
+          <p:txBody>
+            <a:bodyPr rtlCol="0" anchor="ctr"/>
+            <a:lstStyle/>
+            <a:p>
+              <a:pPr algn="ctr"/>
+              <a:r>
+                <a:rPr lang="en-US" sz="1200" dirty="0">
+                  <a:solidFill>
+                    <a:schemeClr val="bg1"/>
+                  </a:solidFill>
+                </a:rPr>
+                <a:t>a</a:t>
+              </a:r>
+              <a:r>
+                <a:rPr lang="en-US" sz="1200" dirty="0" smtClean="0">
+                  <a:solidFill>
+                    <a:schemeClr val="bg1"/>
+                  </a:solidFill>
+                </a:rPr>
+                <a:t>pp :</a:t>
+              </a:r>
+              <a:r>
+                <a:rPr lang="en-US" sz="1200" dirty="0" err="1" smtClean="0">
+                  <a:solidFill>
+                    <a:schemeClr val="bg1"/>
+                  </a:solidFill>
+                </a:rPr>
+                <a:t>OAuthApp</a:t>
+              </a:r>
+              <a:endParaRPr lang="en-SG" sz="1050" dirty="0">
+                <a:solidFill>
+                  <a:schemeClr val="bg1"/>
+                </a:solidFill>
+              </a:endParaRPr>
+            </a:p>
+          </p:txBody>
+        </p:sp>
+        <p:sp>
+          <p:nvSpPr>
+            <p:cNvPr id="87" name="Rectangle 86"/>
+            <p:cNvSpPr/>
+            <p:nvPr/>
+          </p:nvSpPr>
+          <p:spPr>
+            <a:xfrm>
+              <a:off x="6477000" y="4008188"/>
+              <a:ext cx="228600" cy="304799"/>
+            </a:xfrm>
+            <a:prstGeom prst="rect">
+              <a:avLst/>
+            </a:prstGeom>
+            <a:solidFill>
+              <a:srgbClr val="00B050"/>
+            </a:solidFill>
+            <a:ln>
+              <a:noFill/>
+            </a:ln>
+            <a:effectLst/>
+          </p:spPr>
+          <p:style>
+            <a:lnRef idx="1">
+              <a:schemeClr val="accent3"/>
+            </a:lnRef>
+            <a:fillRef idx="2">
+              <a:schemeClr val="accent3"/>
+            </a:fillRef>
+            <a:effectRef idx="1">
+              <a:schemeClr val="accent3"/>
+            </a:effectRef>
+            <a:fontRef idx="minor">
+              <a:schemeClr val="dk1"/>
+            </a:fontRef>
+          </p:style>
+          <p:txBody>
+            <a:bodyPr rtlCol="0" anchor="ctr"/>
+            <a:lstStyle/>
+            <a:p>
+              <a:pPr algn="ctr"/>
+              <a:endParaRPr lang="en-SG" sz="1200">
+                <a:solidFill>
+                  <a:schemeClr val="dk1"/>
+                </a:solidFill>
+              </a:endParaRPr>
+            </a:p>
+          </p:txBody>
+        </p:sp>
+        <p:cxnSp>
+          <p:nvCxnSpPr>
+            <p:cNvPr id="88" name="Straight Arrow Connector 87"/>
+            <p:cNvCxnSpPr>
+              <a:endCxn id="83" idx="1"/>
+            </p:cNvCxnSpPr>
+            <p:nvPr/>
+          </p:nvCxnSpPr>
+          <p:spPr>
+            <a:xfrm flipV="1">
+              <a:off x="2962124" y="2950820"/>
+              <a:ext cx="3057676" cy="20980"/>
+            </a:xfrm>
+            <a:prstGeom prst="straightConnector1">
+              <a:avLst/>
+            </a:prstGeom>
+            <a:ln w="19050">
+              <a:solidFill>
+                <a:srgbClr val="00B050"/>
+              </a:solidFill>
+              <a:tailEnd type="arrow"/>
+            </a:ln>
+          </p:spPr>
+          <p:style>
+            <a:lnRef idx="1">
+              <a:schemeClr val="accent1"/>
+            </a:lnRef>
+            <a:fillRef idx="0">
+              <a:schemeClr val="accent1"/>
+            </a:fillRef>
+            <a:effectRef idx="0">
+              <a:schemeClr val="accent1"/>
+            </a:effectRef>
+            <a:fontRef idx="minor">
+              <a:schemeClr val="tx1"/>
+            </a:fontRef>
+          </p:style>
+        </p:cxnSp>
+        <p:cxnSp>
+          <p:nvCxnSpPr>
+            <p:cNvPr id="93" name="Straight Arrow Connector 92"/>
+            <p:cNvCxnSpPr>
+              <a:endCxn id="86" idx="2"/>
+            </p:cNvCxnSpPr>
+            <p:nvPr/>
+          </p:nvCxnSpPr>
+          <p:spPr>
+            <a:xfrm>
+              <a:off x="2962123" y="3352799"/>
+              <a:ext cx="3629177" cy="0"/>
+            </a:xfrm>
+            <a:prstGeom prst="straightConnector1">
+              <a:avLst/>
+            </a:prstGeom>
+            <a:ln w="19050">
+              <a:solidFill>
+                <a:srgbClr val="00B050"/>
+              </a:solidFill>
+              <a:prstDash val="sysDash"/>
+              <a:headEnd type="arrow" w="med" len="med"/>
+              <a:tailEnd type="none" w="med" len="med"/>
+            </a:ln>
+          </p:spPr>
+          <p:style>
+            <a:lnRef idx="1">
+              <a:schemeClr val="accent1"/>
+            </a:lnRef>
+            <a:fillRef idx="0">
+              <a:schemeClr val="accent1"/>
+            </a:fillRef>
+            <a:effectRef idx="0">
+              <a:schemeClr val="accent1"/>
+            </a:effectRef>
+            <a:fontRef idx="minor">
+              <a:schemeClr val="tx1"/>
+            </a:fontRef>
+          </p:style>
+        </p:cxnSp>
+        <p:cxnSp>
+          <p:nvCxnSpPr>
+            <p:cNvPr id="96" name="Straight Connector 95"/>
+            <p:cNvCxnSpPr>
+              <a:stCxn id="97" idx="2"/>
+            </p:cNvCxnSpPr>
+            <p:nvPr/>
+          </p:nvCxnSpPr>
+          <p:spPr>
+            <a:xfrm flipH="1">
+              <a:off x="7835182" y="3733800"/>
+              <a:ext cx="1" cy="1626512"/>
+            </a:xfrm>
+            <a:prstGeom prst="line">
+              <a:avLst/>
+            </a:prstGeom>
+            <a:ln w="19050">
+              <a:solidFill>
+                <a:srgbClr val="00B050"/>
+              </a:solidFill>
+              <a:prstDash val="sysDash"/>
+            </a:ln>
+            <a:effectLst/>
+          </p:spPr>
+          <p:style>
+            <a:lnRef idx="1">
+              <a:schemeClr val="accent1"/>
+            </a:lnRef>
+            <a:fillRef idx="2">
+              <a:schemeClr val="accent1"/>
+            </a:fillRef>
+            <a:effectRef idx="1">
+              <a:schemeClr val="accent1"/>
+            </a:effectRef>
+            <a:fontRef idx="minor">
+              <a:schemeClr val="dk1"/>
+            </a:fontRef>
+          </p:style>
+        </p:cxnSp>
+        <p:sp>
+          <p:nvSpPr>
+            <p:cNvPr id="97" name="Rectangle 62"/>
+            <p:cNvSpPr/>
+            <p:nvPr/>
+          </p:nvSpPr>
+          <p:spPr>
+            <a:xfrm>
+              <a:off x="7288365" y="3387040"/>
+              <a:ext cx="1093635" cy="346760"/>
+            </a:xfrm>
+            <a:prstGeom prst="rect">
+              <a:avLst/>
+            </a:prstGeom>
+            <a:solidFill>
+              <a:srgbClr val="00B050"/>
+            </a:solidFill>
+            <a:ln w="19050">
+              <a:noFill/>
+            </a:ln>
+            <a:effectLst/>
+          </p:spPr>
+          <p:style>
+            <a:lnRef idx="1">
+              <a:schemeClr val="accent2"/>
+            </a:lnRef>
+            <a:fillRef idx="2">
+              <a:schemeClr val="accent2"/>
+            </a:fillRef>
+            <a:effectRef idx="1">
+              <a:schemeClr val="accent2"/>
+            </a:effectRef>
+            <a:fontRef idx="minor">
+              <a:schemeClr val="dk1"/>
+            </a:fontRef>
+          </p:style>
+          <p:txBody>
+            <a:bodyPr rtlCol="0" anchor="ctr"/>
+            <a:lstStyle/>
+            <a:p>
+              <a:pPr algn="ctr"/>
+              <a:r>
+                <a:rPr lang="en-US" sz="1200" dirty="0" smtClean="0">
+                  <a:solidFill>
+                    <a:schemeClr val="bg1"/>
+                  </a:solidFill>
+                </a:rPr>
+                <a:t>:Client</a:t>
+              </a:r>
+              <a:endParaRPr lang="en-SG" sz="1050" dirty="0">
+                <a:solidFill>
+                  <a:schemeClr val="bg1"/>
+                </a:solidFill>
+              </a:endParaRPr>
+            </a:p>
+          </p:txBody>
+        </p:sp>
+        <p:cxnSp>
+          <p:nvCxnSpPr>
+            <p:cNvPr id="98" name="Straight Connector 97"/>
+            <p:cNvCxnSpPr>
+              <a:stCxn id="97" idx="0"/>
+            </p:cNvCxnSpPr>
+            <p:nvPr/>
+          </p:nvCxnSpPr>
+          <p:spPr>
+            <a:xfrm>
+              <a:off x="7835183" y="3387040"/>
+              <a:ext cx="13417" cy="1984819"/>
+            </a:xfrm>
+            <a:prstGeom prst="line">
+              <a:avLst/>
+            </a:prstGeom>
+            <a:ln w="19050">
+              <a:noFill/>
+              <a:prstDash val="sysDash"/>
+            </a:ln>
+            <a:effectLst/>
+          </p:spPr>
+          <p:style>
+            <a:lnRef idx="1">
+              <a:schemeClr val="accent1"/>
+            </a:lnRef>
+            <a:fillRef idx="2">
+              <a:schemeClr val="accent1"/>
+            </a:fillRef>
+            <a:effectRef idx="1">
+              <a:schemeClr val="accent1"/>
+            </a:effectRef>
+            <a:fontRef idx="minor">
+              <a:schemeClr val="dk1"/>
+            </a:fontRef>
+          </p:style>
+        </p:cxnSp>
+        <p:cxnSp>
+          <p:nvCxnSpPr>
+            <p:cNvPr id="101" name="Straight Arrow Connector 100"/>
+            <p:cNvCxnSpPr>
+              <a:endCxn id="97" idx="1"/>
+            </p:cNvCxnSpPr>
+            <p:nvPr/>
+          </p:nvCxnSpPr>
+          <p:spPr>
+            <a:xfrm flipV="1">
+              <a:off x="2944075" y="3560420"/>
+              <a:ext cx="4344290" cy="11928"/>
+            </a:xfrm>
+            <a:prstGeom prst="straightConnector1">
+              <a:avLst/>
+            </a:prstGeom>
+            <a:ln w="19050">
+              <a:solidFill>
+                <a:srgbClr val="00B050"/>
+              </a:solidFill>
+              <a:tailEnd type="arrow"/>
+            </a:ln>
+          </p:spPr>
+          <p:style>
+            <a:lnRef idx="1">
+              <a:schemeClr val="accent1"/>
+            </a:lnRef>
+            <a:fillRef idx="0">
+              <a:schemeClr val="accent1"/>
+            </a:fillRef>
+            <a:effectRef idx="0">
+              <a:schemeClr val="accent1"/>
+            </a:effectRef>
+            <a:fontRef idx="minor">
+              <a:schemeClr val="tx1"/>
+            </a:fontRef>
+          </p:style>
+        </p:cxnSp>
+        <p:sp>
+          <p:nvSpPr>
+            <p:cNvPr id="105" name="TextBox 104"/>
+            <p:cNvSpPr txBox="1"/>
+            <p:nvPr/>
+          </p:nvSpPr>
+          <p:spPr>
+            <a:xfrm>
+              <a:off x="4345899" y="3581400"/>
+              <a:ext cx="870760" cy="184666"/>
+            </a:xfrm>
+            <a:prstGeom prst="rect">
+              <a:avLst/>
+            </a:prstGeom>
+            <a:noFill/>
+          </p:spPr>
+          <p:txBody>
+            <a:bodyPr wrap="square" lIns="0" tIns="0" rIns="0" bIns="0" rtlCol="0">
+              <a:spAutoFit/>
+            </a:bodyPr>
+            <a:lstStyle/>
+            <a:p>
+              <a:r>
+                <a:rPr lang="en-US" sz="1200" dirty="0" err="1">
+                  <a:solidFill>
+                    <a:srgbClr val="00B050"/>
+                  </a:solidFill>
+                </a:rPr>
+                <a:t>o</a:t>
+              </a:r>
+              <a:r>
+                <a:rPr lang="en-US" sz="1200" dirty="0" err="1" smtClean="0">
+                  <a:solidFill>
+                    <a:srgbClr val="00B050"/>
+                  </a:solidFill>
+                </a:rPr>
+                <a:t>auth</a:t>
+              </a:r>
+              <a:r>
+                <a:rPr lang="en-US" sz="1200" dirty="0" smtClean="0">
+                  <a:solidFill>
+                    <a:srgbClr val="00B050"/>
+                  </a:solidFill>
+                </a:rPr>
+                <a:t>(app)</a:t>
+              </a:r>
+              <a:endParaRPr lang="en-US" sz="1200" dirty="0">
+                <a:solidFill>
+                  <a:srgbClr val="00B050"/>
+                </a:solidFill>
+              </a:endParaRPr>
+            </a:p>
+          </p:txBody>
+        </p:sp>
+        <p:sp>
+          <p:nvSpPr>
+            <p:cNvPr id="107" name="TextBox 106"/>
+            <p:cNvSpPr txBox="1"/>
+            <p:nvPr/>
+          </p:nvSpPr>
+          <p:spPr>
+            <a:xfrm>
+              <a:off x="1649989" y="1524000"/>
+              <a:ext cx="712211" cy="169277"/>
+            </a:xfrm>
+            <a:prstGeom prst="rect">
+              <a:avLst/>
+            </a:prstGeom>
+            <a:noFill/>
+          </p:spPr>
+          <p:txBody>
+            <a:bodyPr wrap="square" lIns="0" tIns="0" rIns="0" bIns="0" rtlCol="0">
+              <a:spAutoFit/>
+            </a:bodyPr>
+            <a:lstStyle/>
+            <a:p>
+              <a:r>
+                <a:rPr lang="en-US" sz="1100" dirty="0" smtClean="0">
+                  <a:solidFill>
+                    <a:srgbClr val="0070C0"/>
+                  </a:solidFill>
+                </a:rPr>
+                <a:t>&lt;&lt;create&gt;&gt;</a:t>
+              </a:r>
+              <a:endParaRPr lang="en-US" sz="1100" dirty="0">
+                <a:solidFill>
+                  <a:srgbClr val="0070C0"/>
+                </a:solidFill>
+              </a:endParaRPr>
+            </a:p>
+          </p:txBody>
+        </p:sp>
+        <p:sp>
+          <p:nvSpPr>
+            <p:cNvPr id="108" name="TextBox 107"/>
+            <p:cNvSpPr txBox="1"/>
+            <p:nvPr/>
+          </p:nvSpPr>
+          <p:spPr>
+            <a:xfrm>
+              <a:off x="3657600" y="2286000"/>
+              <a:ext cx="712211" cy="169277"/>
+            </a:xfrm>
+            <a:prstGeom prst="rect">
+              <a:avLst/>
+            </a:prstGeom>
+            <a:noFill/>
+          </p:spPr>
+          <p:txBody>
+            <a:bodyPr wrap="square" lIns="0" tIns="0" rIns="0" bIns="0" rtlCol="0">
+              <a:spAutoFit/>
+            </a:bodyPr>
+            <a:lstStyle/>
+            <a:p>
+              <a:r>
+                <a:rPr lang="en-US" sz="1100" dirty="0" smtClean="0">
+                  <a:solidFill>
+                    <a:srgbClr val="7030A0"/>
+                  </a:solidFill>
+                </a:rPr>
+                <a:t>&lt;&lt;create&gt;&gt;</a:t>
+              </a:r>
+              <a:endParaRPr lang="en-US" sz="1100" dirty="0">
+                <a:solidFill>
+                  <a:srgbClr val="7030A0"/>
+                </a:solidFill>
+              </a:endParaRPr>
+            </a:p>
+          </p:txBody>
+        </p:sp>
+        <p:sp>
+          <p:nvSpPr>
+            <p:cNvPr id="109" name="TextBox 108"/>
+            <p:cNvSpPr txBox="1"/>
+            <p:nvPr/>
+          </p:nvSpPr>
+          <p:spPr>
+            <a:xfrm>
+              <a:off x="4239475" y="2971800"/>
+              <a:ext cx="712211" cy="169277"/>
+            </a:xfrm>
+            <a:prstGeom prst="rect">
+              <a:avLst/>
+            </a:prstGeom>
+            <a:noFill/>
+          </p:spPr>
+          <p:txBody>
+            <a:bodyPr wrap="square" lIns="0" tIns="0" rIns="0" bIns="0" rtlCol="0">
+              <a:spAutoFit/>
+            </a:bodyPr>
+            <a:lstStyle/>
+            <a:p>
+              <a:r>
+                <a:rPr lang="en-US" sz="1100" dirty="0" smtClean="0">
+                  <a:solidFill>
+                    <a:srgbClr val="00B050"/>
+                  </a:solidFill>
+                </a:rPr>
+                <a:t>&lt;&lt;create&gt;&gt;</a:t>
+              </a:r>
+              <a:endParaRPr lang="en-US" sz="1100" dirty="0">
+                <a:solidFill>
+                  <a:srgbClr val="00B050"/>
+                </a:solidFill>
+              </a:endParaRPr>
+            </a:p>
+          </p:txBody>
+        </p:sp>
+        <p:cxnSp>
+          <p:nvCxnSpPr>
+            <p:cNvPr id="111" name="Straight Arrow Connector 110"/>
+            <p:cNvCxnSpPr/>
+            <p:nvPr/>
+          </p:nvCxnSpPr>
+          <p:spPr>
+            <a:xfrm>
+              <a:off x="2971800" y="4012950"/>
+              <a:ext cx="3514876" cy="0"/>
+            </a:xfrm>
+            <a:prstGeom prst="straightConnector1">
+              <a:avLst/>
+            </a:prstGeom>
+            <a:ln w="19050">
+              <a:solidFill>
+                <a:srgbClr val="00B050"/>
+              </a:solidFill>
+              <a:tailEnd type="arrow"/>
+            </a:ln>
+          </p:spPr>
+          <p:style>
+            <a:lnRef idx="1">
+              <a:schemeClr val="accent1"/>
+            </a:lnRef>
+            <a:fillRef idx="0">
+              <a:schemeClr val="accent1"/>
+            </a:fillRef>
+            <a:effectRef idx="0">
+              <a:schemeClr val="accent1"/>
+            </a:effectRef>
+            <a:fontRef idx="minor">
+              <a:schemeClr val="tx1"/>
+            </a:fontRef>
+          </p:style>
+        </p:cxnSp>
+        <p:cxnSp>
+          <p:nvCxnSpPr>
+            <p:cNvPr id="112" name="Straight Arrow Connector 111"/>
+            <p:cNvCxnSpPr/>
+            <p:nvPr/>
+          </p:nvCxnSpPr>
+          <p:spPr>
+            <a:xfrm>
+              <a:off x="2971800" y="4312987"/>
+              <a:ext cx="3589622" cy="0"/>
+            </a:xfrm>
+            <a:prstGeom prst="straightConnector1">
+              <a:avLst/>
+            </a:prstGeom>
+            <a:ln w="19050">
+              <a:solidFill>
+                <a:srgbClr val="00B050"/>
+              </a:solidFill>
+              <a:prstDash val="sysDash"/>
+              <a:headEnd type="arrow" w="med" len="med"/>
+              <a:tailEnd type="none" w="med" len="med"/>
+            </a:ln>
+          </p:spPr>
+          <p:style>
+            <a:lnRef idx="1">
+              <a:schemeClr val="accent1"/>
+            </a:lnRef>
+            <a:fillRef idx="0">
+              <a:schemeClr val="accent1"/>
+            </a:fillRef>
+            <a:effectRef idx="0">
+              <a:schemeClr val="accent1"/>
+            </a:effectRef>
+            <a:fontRef idx="minor">
+              <a:schemeClr val="tx1"/>
+            </a:fontRef>
+          </p:style>
+        </p:cxnSp>
+        <p:sp>
+          <p:nvSpPr>
+            <p:cNvPr id="113" name="TextBox 112"/>
+            <p:cNvSpPr txBox="1"/>
+            <p:nvPr/>
+          </p:nvSpPr>
+          <p:spPr>
+            <a:xfrm>
+              <a:off x="3276600" y="4006334"/>
+              <a:ext cx="2519079" cy="184666"/>
+            </a:xfrm>
+            <a:prstGeom prst="rect">
+              <a:avLst/>
+            </a:prstGeom>
+            <a:noFill/>
+          </p:spPr>
+          <p:txBody>
+            <a:bodyPr wrap="square" lIns="0" tIns="0" rIns="0" bIns="0" rtlCol="0">
+              <a:spAutoFit/>
+            </a:bodyPr>
+            <a:lstStyle/>
+            <a:p>
+              <a:r>
+                <a:rPr lang="en-US" sz="1100" dirty="0" err="1" smtClean="0">
+                  <a:solidFill>
+                    <a:srgbClr val="00B050"/>
+                  </a:solidFill>
+                </a:rPr>
+                <a:t>getAuthorizationUrl</a:t>
+              </a:r>
+              <a:r>
+                <a:rPr lang="en-US" sz="1100" dirty="0" smtClean="0">
+                  <a:solidFill>
+                    <a:srgbClr val="00B050"/>
+                  </a:solidFill>
+                </a:rPr>
+                <a:t>(</a:t>
+              </a:r>
+              <a:r>
+                <a:rPr lang="en-US" sz="1100" dirty="0" err="1" smtClean="0">
+                  <a:solidFill>
+                    <a:srgbClr val="00B050"/>
+                  </a:solidFill>
+                </a:rPr>
+                <a:t>currentState</a:t>
+              </a:r>
+              <a:r>
+                <a:rPr lang="en-US" sz="1200" dirty="0" smtClean="0">
+                  <a:solidFill>
+                    <a:srgbClr val="00B050"/>
+                  </a:solidFill>
+                </a:rPr>
+                <a:t>)</a:t>
+              </a:r>
+              <a:endParaRPr lang="en-US" sz="1200" dirty="0">
+                <a:solidFill>
+                  <a:srgbClr val="00B050"/>
+                </a:solidFill>
+              </a:endParaRPr>
+            </a:p>
+          </p:txBody>
+        </p:sp>
+        <p:sp>
+          <p:nvSpPr>
+            <p:cNvPr id="114" name="Rectangle 62"/>
+            <p:cNvSpPr/>
+            <p:nvPr/>
+          </p:nvSpPr>
+          <p:spPr>
+            <a:xfrm>
+              <a:off x="7974165" y="4225240"/>
+              <a:ext cx="1093635" cy="346760"/>
+            </a:xfrm>
+            <a:prstGeom prst="rect">
+              <a:avLst/>
+            </a:prstGeom>
+            <a:solidFill>
+              <a:schemeClr val="accent6">
+                <a:lumMod val="75000"/>
+              </a:schemeClr>
+            </a:solidFill>
+            <a:ln w="19050">
+              <a:noFill/>
+            </a:ln>
+            <a:effectLst/>
+          </p:spPr>
+          <p:style>
+            <a:lnRef idx="1">
+              <a:schemeClr val="accent2"/>
+            </a:lnRef>
+            <a:fillRef idx="2">
+              <a:schemeClr val="accent2"/>
+            </a:fillRef>
+            <a:effectRef idx="1">
+              <a:schemeClr val="accent2"/>
+            </a:effectRef>
+            <a:fontRef idx="minor">
+              <a:schemeClr val="dk1"/>
+            </a:fontRef>
+          </p:style>
+          <p:txBody>
+            <a:bodyPr rtlCol="0" anchor="ctr"/>
+            <a:lstStyle/>
+            <a:p>
+              <a:pPr algn="ctr"/>
+              <a:r>
+                <a:rPr lang="en-US" sz="1200" dirty="0" smtClean="0">
+                  <a:solidFill>
+                    <a:schemeClr val="bg1"/>
+                  </a:solidFill>
+                </a:rPr>
+                <a:t>:Desktop</a:t>
+              </a:r>
+              <a:endParaRPr lang="en-SG" sz="1050" dirty="0">
+                <a:solidFill>
+                  <a:schemeClr val="bg1"/>
+                </a:solidFill>
+              </a:endParaRPr>
+            </a:p>
+          </p:txBody>
+        </p:sp>
+        <p:cxnSp>
+          <p:nvCxnSpPr>
+            <p:cNvPr id="118" name="Straight Connector 117"/>
+            <p:cNvCxnSpPr>
+              <a:stCxn id="121" idx="2"/>
+            </p:cNvCxnSpPr>
+            <p:nvPr/>
+          </p:nvCxnSpPr>
+          <p:spPr>
+            <a:xfrm>
+              <a:off x="8437334" y="4747542"/>
+              <a:ext cx="8952" cy="474231"/>
+            </a:xfrm>
+            <a:prstGeom prst="line">
+              <a:avLst/>
+            </a:prstGeom>
+            <a:ln w="19050">
+              <a:solidFill>
+                <a:schemeClr val="accent6">
+                  <a:lumMod val="75000"/>
+                </a:schemeClr>
+              </a:solidFill>
+              <a:prstDash val="sysDash"/>
+            </a:ln>
+            <a:effectLst/>
+          </p:spPr>
+          <p:style>
+            <a:lnRef idx="1">
+              <a:schemeClr val="accent1"/>
+            </a:lnRef>
+            <a:fillRef idx="2">
+              <a:schemeClr val="accent1"/>
+            </a:fillRef>
+            <a:effectRef idx="1">
+              <a:schemeClr val="accent1"/>
+            </a:effectRef>
+            <a:fontRef idx="minor">
+              <a:schemeClr val="dk1"/>
+            </a:fontRef>
+          </p:style>
+        </p:cxnSp>
+        <p:sp>
+          <p:nvSpPr>
+            <p:cNvPr id="120" name="Multiply 119"/>
+            <p:cNvSpPr/>
+            <p:nvPr/>
+          </p:nvSpPr>
+          <p:spPr>
+            <a:xfrm>
+              <a:off x="5187232" y="5638800"/>
+              <a:ext cx="457200" cy="430887"/>
+            </a:xfrm>
+            <a:prstGeom prst="mathMultiply">
+              <a:avLst/>
+            </a:prstGeom>
+            <a:solidFill>
+              <a:srgbClr val="7030A0"/>
+            </a:solidFill>
+            <a:ln>
+              <a:solidFill>
+                <a:srgbClr val="7030A0"/>
+              </a:solidFill>
+            </a:ln>
+          </p:spPr>
+          <p:style>
+            <a:lnRef idx="2">
+              <a:schemeClr val="accent1">
+                <a:shade val="50000"/>
+              </a:schemeClr>
+            </a:lnRef>
+            <a:fillRef idx="1">
+              <a:schemeClr val="accent1"/>
+            </a:fillRef>
+            <a:effectRef idx="0">
+              <a:schemeClr val="accent1"/>
+            </a:effectRef>
+            <a:fontRef idx="minor">
+              <a:schemeClr val="lt1"/>
+            </a:fontRef>
+          </p:style>
+          <p:txBody>
+            <a:bodyPr rtlCol="0" anchor="ctr"/>
+            <a:lstStyle/>
+            <a:p>
+              <a:pPr algn="ctr"/>
+              <a:endParaRPr lang="en-US" sz="1600"/>
+            </a:p>
+          </p:txBody>
+        </p:sp>
+        <p:sp>
+          <p:nvSpPr>
+            <p:cNvPr id="121" name="Rectangle 120"/>
+            <p:cNvSpPr/>
+            <p:nvPr/>
+          </p:nvSpPr>
+          <p:spPr>
+            <a:xfrm>
+              <a:off x="8327500" y="4572710"/>
+              <a:ext cx="219668" cy="174832"/>
+            </a:xfrm>
+            <a:prstGeom prst="rect">
+              <a:avLst/>
+            </a:prstGeom>
+            <a:solidFill>
+              <a:schemeClr val="accent6">
+                <a:lumMod val="75000"/>
+              </a:schemeClr>
+            </a:solidFill>
+            <a:ln>
+              <a:solidFill>
+                <a:schemeClr val="accent6">
+                  <a:lumMod val="75000"/>
+                </a:schemeClr>
+              </a:solidFill>
+            </a:ln>
+            <a:effectLst/>
+          </p:spPr>
+          <p:style>
+            <a:lnRef idx="1">
+              <a:schemeClr val="accent3"/>
+            </a:lnRef>
+            <a:fillRef idx="2">
+              <a:schemeClr val="accent3"/>
+            </a:fillRef>
+            <a:effectRef idx="1">
+              <a:schemeClr val="accent3"/>
+            </a:effectRef>
+            <a:fontRef idx="minor">
+              <a:schemeClr val="dk1"/>
+            </a:fontRef>
+          </p:style>
+          <p:txBody>
+            <a:bodyPr rtlCol="0" anchor="ctr"/>
+            <a:lstStyle/>
+            <a:p>
+              <a:pPr algn="ctr"/>
+              <a:endParaRPr lang="en-SG" sz="1200">
+                <a:solidFill>
+                  <a:schemeClr val="dk1"/>
+                </a:solidFill>
+              </a:endParaRPr>
+            </a:p>
+          </p:txBody>
+        </p:sp>
+        <p:cxnSp>
+          <p:nvCxnSpPr>
+            <p:cNvPr id="122" name="Straight Arrow Connector 121"/>
+            <p:cNvCxnSpPr/>
+            <p:nvPr/>
+          </p:nvCxnSpPr>
+          <p:spPr>
+            <a:xfrm>
+              <a:off x="2971800" y="4419600"/>
+              <a:ext cx="5002365" cy="0"/>
+            </a:xfrm>
+            <a:prstGeom prst="straightConnector1">
+              <a:avLst/>
+            </a:prstGeom>
+            <a:ln w="19050">
+              <a:solidFill>
+                <a:schemeClr val="accent6">
+                  <a:lumMod val="75000"/>
+                </a:schemeClr>
+              </a:solidFill>
+              <a:tailEnd type="arrow"/>
+            </a:ln>
+          </p:spPr>
+          <p:style>
+            <a:lnRef idx="1">
+              <a:schemeClr val="accent1"/>
+            </a:lnRef>
+            <a:fillRef idx="0">
+              <a:schemeClr val="accent1"/>
+            </a:fillRef>
+            <a:effectRef idx="0">
+              <a:schemeClr val="accent1"/>
+            </a:effectRef>
+            <a:fontRef idx="minor">
+              <a:schemeClr val="tx1"/>
+            </a:fontRef>
+          </p:style>
+        </p:cxnSp>
+        <p:cxnSp>
+          <p:nvCxnSpPr>
+            <p:cNvPr id="124" name="Straight Arrow Connector 123"/>
+            <p:cNvCxnSpPr/>
+            <p:nvPr/>
+          </p:nvCxnSpPr>
+          <p:spPr>
+            <a:xfrm>
+              <a:off x="2971800" y="4724399"/>
+              <a:ext cx="5386106" cy="26067"/>
+            </a:xfrm>
+            <a:prstGeom prst="straightConnector1">
+              <a:avLst/>
+            </a:prstGeom>
+            <a:ln w="19050">
+              <a:solidFill>
+                <a:schemeClr val="accent6">
+                  <a:lumMod val="75000"/>
+                </a:schemeClr>
+              </a:solidFill>
+              <a:prstDash val="sysDash"/>
+              <a:headEnd type="arrow" w="med" len="med"/>
+              <a:tailEnd type="none" w="med" len="med"/>
+            </a:ln>
+          </p:spPr>
+          <p:style>
+            <a:lnRef idx="1">
+              <a:schemeClr val="accent1"/>
+            </a:lnRef>
+            <a:fillRef idx="0">
+              <a:schemeClr val="accent1"/>
+            </a:fillRef>
+            <a:effectRef idx="0">
+              <a:schemeClr val="accent1"/>
+            </a:effectRef>
+            <a:fontRef idx="minor">
+              <a:schemeClr val="tx1"/>
+            </a:fontRef>
+          </p:style>
+        </p:cxnSp>
+        <p:sp>
+          <p:nvSpPr>
+            <p:cNvPr id="126" name="TextBox 125"/>
+            <p:cNvSpPr txBox="1"/>
+            <p:nvPr/>
+          </p:nvSpPr>
+          <p:spPr>
+            <a:xfrm>
+              <a:off x="5525374" y="4414889"/>
+              <a:ext cx="971112" cy="184666"/>
+            </a:xfrm>
+            <a:prstGeom prst="rect">
+              <a:avLst/>
+            </a:prstGeom>
+            <a:noFill/>
+          </p:spPr>
+          <p:txBody>
+            <a:bodyPr wrap="square" lIns="0" tIns="0" rIns="0" bIns="0" rtlCol="0">
+              <a:spAutoFit/>
+            </a:bodyPr>
+            <a:lstStyle/>
+            <a:p>
+              <a:r>
+                <a:rPr lang="en-US" sz="1200" dirty="0" err="1" smtClean="0">
+                  <a:solidFill>
+                    <a:schemeClr val="accent6">
+                      <a:lumMod val="75000"/>
+                    </a:schemeClr>
+                  </a:solidFill>
+                </a:rPr>
+                <a:t>getDesktop</a:t>
+              </a:r>
+              <a:r>
+                <a:rPr lang="en-US" sz="1200" dirty="0" smtClean="0">
+                  <a:solidFill>
+                    <a:schemeClr val="accent6">
+                      <a:lumMod val="75000"/>
+                    </a:schemeClr>
+                  </a:solidFill>
+                </a:rPr>
+                <a:t>()</a:t>
+              </a:r>
+              <a:endParaRPr lang="en-US" sz="1200" dirty="0">
+                <a:solidFill>
+                  <a:schemeClr val="accent6">
+                    <a:lumMod val="75000"/>
+                  </a:schemeClr>
+                </a:solidFill>
+              </a:endParaRPr>
+            </a:p>
+          </p:txBody>
+        </p:sp>
+        <p:cxnSp>
+          <p:nvCxnSpPr>
+            <p:cNvPr id="131" name="Straight Arrow Connector 130"/>
+            <p:cNvCxnSpPr>
+              <a:stCxn id="121" idx="3"/>
+            </p:cNvCxnSpPr>
+            <p:nvPr/>
+          </p:nvCxnSpPr>
+          <p:spPr>
+            <a:xfrm>
+              <a:off x="8547168" y="4660126"/>
+              <a:ext cx="873967" cy="0"/>
+            </a:xfrm>
+            <a:prstGeom prst="straightConnector1">
+              <a:avLst/>
+            </a:prstGeom>
+            <a:ln w="19050">
+              <a:solidFill>
+                <a:schemeClr val="accent6">
+                  <a:lumMod val="75000"/>
+                </a:schemeClr>
+              </a:solidFill>
+              <a:tailEnd type="arrow"/>
+            </a:ln>
+          </p:spPr>
+          <p:style>
+            <a:lnRef idx="1">
+              <a:schemeClr val="accent1"/>
+            </a:lnRef>
+            <a:fillRef idx="0">
+              <a:schemeClr val="accent1"/>
+            </a:fillRef>
+            <a:effectRef idx="0">
+              <a:schemeClr val="accent1"/>
+            </a:effectRef>
+            <a:fontRef idx="minor">
+              <a:schemeClr val="tx1"/>
+            </a:fontRef>
+          </p:style>
+        </p:cxnSp>
+        <p:sp>
+          <p:nvSpPr>
+            <p:cNvPr id="133" name="TextBox 132"/>
+            <p:cNvSpPr txBox="1"/>
+            <p:nvPr/>
+          </p:nvSpPr>
+          <p:spPr>
+            <a:xfrm>
+              <a:off x="8642639" y="4647644"/>
+              <a:ext cx="971112" cy="184666"/>
+            </a:xfrm>
+            <a:prstGeom prst="rect">
+              <a:avLst/>
+            </a:prstGeom>
+            <a:noFill/>
+          </p:spPr>
+          <p:txBody>
+            <a:bodyPr wrap="square" lIns="0" tIns="0" rIns="0" bIns="0" rtlCol="0">
+              <a:spAutoFit/>
+            </a:bodyPr>
+            <a:lstStyle/>
+            <a:p>
+              <a:r>
+                <a:rPr lang="en-US" sz="1200" dirty="0">
+                  <a:solidFill>
+                    <a:schemeClr val="accent6">
+                      <a:lumMod val="75000"/>
+                    </a:schemeClr>
+                  </a:solidFill>
+                </a:rPr>
+                <a:t>b</a:t>
+              </a:r>
+              <a:r>
+                <a:rPr lang="en-US" sz="1200" dirty="0" smtClean="0">
+                  <a:solidFill>
+                    <a:schemeClr val="accent6">
+                      <a:lumMod val="75000"/>
+                    </a:schemeClr>
+                  </a:solidFill>
+                </a:rPr>
+                <a:t>rowse()</a:t>
+              </a:r>
+              <a:endParaRPr lang="en-US" sz="1200" dirty="0">
+                <a:solidFill>
+                  <a:schemeClr val="accent6">
+                    <a:lumMod val="75000"/>
+                  </a:schemeClr>
+                </a:solidFill>
+              </a:endParaRPr>
+            </a:p>
+          </p:txBody>
+        </p:sp>
+        <p:sp>
+          <p:nvSpPr>
+            <p:cNvPr id="135" name="Multiply 134"/>
+            <p:cNvSpPr/>
+            <p:nvPr/>
+          </p:nvSpPr>
+          <p:spPr>
+            <a:xfrm>
+              <a:off x="6362700" y="5504083"/>
+              <a:ext cx="457200" cy="430887"/>
+            </a:xfrm>
+            <a:prstGeom prst="mathMultiply">
+              <a:avLst/>
+            </a:prstGeom>
+            <a:solidFill>
+              <a:srgbClr val="00B050"/>
+            </a:solidFill>
+            <a:ln>
+              <a:noFill/>
+            </a:ln>
+          </p:spPr>
+          <p:style>
+            <a:lnRef idx="2">
+              <a:schemeClr val="accent1">
+                <a:shade val="50000"/>
+              </a:schemeClr>
+            </a:lnRef>
+            <a:fillRef idx="1">
+              <a:schemeClr val="accent1"/>
+            </a:fillRef>
+            <a:effectRef idx="0">
+              <a:schemeClr val="accent1"/>
+            </a:effectRef>
+            <a:fontRef idx="minor">
+              <a:schemeClr val="lt1"/>
+            </a:fontRef>
+          </p:style>
+          <p:txBody>
+            <a:bodyPr rtlCol="0" anchor="ctr"/>
+            <a:lstStyle/>
+            <a:p>
+              <a:pPr algn="ctr"/>
+              <a:endParaRPr lang="en-US" sz="1600"/>
+            </a:p>
+          </p:txBody>
+        </p:sp>
+        <p:sp>
+          <p:nvSpPr>
+            <p:cNvPr id="136" name="Multiply 135"/>
+            <p:cNvSpPr/>
+            <p:nvPr/>
+          </p:nvSpPr>
+          <p:spPr>
+            <a:xfrm>
+              <a:off x="7614805" y="5131713"/>
+              <a:ext cx="457200" cy="430887"/>
+            </a:xfrm>
+            <a:prstGeom prst="mathMultiply">
+              <a:avLst/>
+            </a:prstGeom>
+            <a:solidFill>
+              <a:srgbClr val="00B050"/>
+            </a:solidFill>
+            <a:ln>
+              <a:noFill/>
+            </a:ln>
+          </p:spPr>
+          <p:style>
+            <a:lnRef idx="2">
+              <a:schemeClr val="accent1">
+                <a:shade val="50000"/>
+              </a:schemeClr>
+            </a:lnRef>
+            <a:fillRef idx="1">
+              <a:schemeClr val="accent1"/>
+            </a:fillRef>
+            <a:effectRef idx="0">
+              <a:schemeClr val="accent1"/>
+            </a:effectRef>
+            <a:fontRef idx="minor">
+              <a:schemeClr val="lt1"/>
+            </a:fontRef>
+          </p:style>
+          <p:txBody>
+            <a:bodyPr rtlCol="0" anchor="ctr"/>
+            <a:lstStyle/>
+            <a:p>
+              <a:pPr algn="ctr"/>
+              <a:endParaRPr lang="en-US" sz="1600"/>
+            </a:p>
+          </p:txBody>
+        </p:sp>
+        <p:sp>
+          <p:nvSpPr>
+            <p:cNvPr id="137" name="Multiply 136"/>
+            <p:cNvSpPr/>
+            <p:nvPr/>
+          </p:nvSpPr>
+          <p:spPr>
+            <a:xfrm>
+              <a:off x="8217686" y="5007142"/>
+              <a:ext cx="457200" cy="430887"/>
+            </a:xfrm>
+            <a:prstGeom prst="mathMultiply">
+              <a:avLst/>
+            </a:prstGeom>
+            <a:solidFill>
+              <a:schemeClr val="accent6">
+                <a:lumMod val="75000"/>
+              </a:schemeClr>
+            </a:solidFill>
+            <a:ln>
+              <a:noFill/>
+            </a:ln>
+          </p:spPr>
+          <p:style>
+            <a:lnRef idx="2">
+              <a:schemeClr val="accent1">
+                <a:shade val="50000"/>
+              </a:schemeClr>
+            </a:lnRef>
+            <a:fillRef idx="1">
+              <a:schemeClr val="accent1"/>
+            </a:fillRef>
+            <a:effectRef idx="0">
+              <a:schemeClr val="accent1"/>
+            </a:effectRef>
+            <a:fontRef idx="minor">
+              <a:schemeClr val="lt1"/>
+            </a:fontRef>
+          </p:style>
+          <p:txBody>
+            <a:bodyPr rtlCol="0" anchor="ctr"/>
+            <a:lstStyle/>
+            <a:p>
+              <a:pPr algn="ctr"/>
+              <a:endParaRPr lang="en-US" sz="1600"/>
+            </a:p>
+          </p:txBody>
+        </p:sp>
+        <p:sp>
+          <p:nvSpPr>
+            <p:cNvPr id="142" name="Rectangle 141"/>
+            <p:cNvSpPr/>
+            <p:nvPr/>
+          </p:nvSpPr>
+          <p:spPr>
+            <a:xfrm>
+              <a:off x="2776821" y="1618259"/>
+              <a:ext cx="228600" cy="304799"/>
+            </a:xfrm>
+            <a:prstGeom prst="rect">
+              <a:avLst/>
+            </a:prstGeom>
+            <a:solidFill>
+              <a:srgbClr val="7030A0"/>
+            </a:solidFill>
+            <a:ln>
+              <a:solidFill>
+                <a:srgbClr val="7030A0"/>
+              </a:solidFill>
+            </a:ln>
+            <a:effectLst/>
+          </p:spPr>
+          <p:style>
+            <a:lnRef idx="1">
+              <a:schemeClr val="accent3"/>
+            </a:lnRef>
+            <a:fillRef idx="2">
+              <a:schemeClr val="accent3"/>
+            </a:fillRef>
+            <a:effectRef idx="1">
+              <a:schemeClr val="accent3"/>
+            </a:effectRef>
+            <a:fontRef idx="minor">
+              <a:schemeClr val="dk1"/>
+            </a:fontRef>
+          </p:style>
+          <p:txBody>
+            <a:bodyPr rtlCol="0" anchor="ctr"/>
+            <a:lstStyle/>
+            <a:p>
+              <a:pPr algn="ctr"/>
+              <a:endParaRPr lang="en-SG" sz="1200">
+                <a:solidFill>
+                  <a:schemeClr val="dk1"/>
+                </a:solidFill>
+              </a:endParaRPr>
+            </a:p>
+          </p:txBody>
+        </p:sp>
+        <p:sp>
+          <p:nvSpPr>
+            <p:cNvPr id="73" name="Rectangle 62"/>
+            <p:cNvSpPr/>
+            <p:nvPr/>
+          </p:nvSpPr>
+          <p:spPr>
+            <a:xfrm>
+              <a:off x="4849965" y="2057400"/>
+              <a:ext cx="1093635" cy="346760"/>
+            </a:xfrm>
+            <a:prstGeom prst="rect">
+              <a:avLst/>
+            </a:prstGeom>
+            <a:solidFill>
+              <a:srgbClr val="7030A0"/>
+            </a:solidFill>
+            <a:ln w="19050">
+              <a:solidFill>
+                <a:srgbClr val="7030A0"/>
+              </a:solidFill>
+            </a:ln>
+            <a:effectLst/>
+          </p:spPr>
+          <p:style>
+            <a:lnRef idx="1">
+              <a:schemeClr val="accent2"/>
+            </a:lnRef>
+            <a:fillRef idx="2">
+              <a:schemeClr val="accent2"/>
+            </a:fillRef>
+            <a:effectRef idx="1">
+              <a:schemeClr val="accent2"/>
+            </a:effectRef>
+            <a:fontRef idx="minor">
+              <a:schemeClr val="dk1"/>
+            </a:fontRef>
+          </p:style>
+          <p:txBody>
+            <a:bodyPr rtlCol="0" anchor="ctr"/>
+            <a:lstStyle/>
+            <a:p>
+              <a:pPr algn="ctr"/>
+              <a:r>
+                <a:rPr lang="en-US" sz="1400" dirty="0" smtClean="0">
+                  <a:solidFill>
+                    <a:schemeClr val="bg1"/>
+                  </a:solidFill>
+                </a:rPr>
+                <a:t>:</a:t>
+              </a:r>
+              <a:r>
+                <a:rPr lang="en-US" sz="1100" dirty="0" smtClean="0">
+                  <a:solidFill>
+                    <a:schemeClr val="bg1"/>
+                  </a:solidFill>
+                </a:rPr>
+                <a:t>Asana</a:t>
+              </a:r>
+            </a:p>
+            <a:p>
+              <a:pPr algn="ctr"/>
+              <a:r>
+                <a:rPr lang="en-US" sz="1100" dirty="0" smtClean="0">
+                  <a:solidFill>
+                    <a:schemeClr val="bg1"/>
+                  </a:solidFill>
+                </a:rPr>
+                <a:t>Credentials</a:t>
+              </a:r>
+              <a:endParaRPr lang="en-SG" sz="1100" dirty="0">
+                <a:solidFill>
+                  <a:schemeClr val="bg1"/>
+                </a:solidFill>
+              </a:endParaRPr>
+            </a:p>
+          </p:txBody>
+        </p:sp>
+      </p:grpSp>
+    </p:spTree>
+    <p:extLst>
+      <p:ext uri="{BB962C8B-B14F-4D97-AF65-F5344CB8AC3E}">
+        <p14:creationId xmlns:p14="http://schemas.microsoft.com/office/powerpoint/2010/main" val="184406445"/>
       </p:ext>
     </p:extLst>
   </p:cSld>
